--- a/test.pptx
+++ b/test.pptx
@@ -5381,11 +5381,6 @@
               <a:t>point1</a:t>
             </a:r>
           </a:p>
-          <a:p>
-            <a:r>
-              <a:t>point1</a:t>
-            </a:r>
-          </a:p>
         </p:txBody>
       </p:sp>
     </p:spTree>
